--- a/Presentation.pptx
+++ b/Presentation.pptx
@@ -226,7 +226,7 @@
           <a:p>
             <a:fld id="{4C77CBF0-0349-4739-8B56-CB2DFC9579AD}" type="datetimeFigureOut">
               <a:rPr lang="en-US" smtClean="0"/>
-              <a:t>4/24/2016</a:t>
+              <a:t>4/29/2016</a:t>
             </a:fld>
             <a:endParaRPr lang="en-US"/>
           </a:p>
@@ -682,7 +682,7 @@
           <a:p>
             <a:fld id="{92CDE6BF-0C9B-4A94-A9F2-0D31226B309D}" type="datetimeFigureOut">
               <a:rPr lang="en-US" smtClean="0"/>
-              <a:t>4/24/2016</a:t>
+              <a:t>4/29/2016</a:t>
             </a:fld>
             <a:endParaRPr lang="en-US"/>
           </a:p>
@@ -1019,7 +1019,7 @@
           <a:p>
             <a:fld id="{92CDE6BF-0C9B-4A94-A9F2-0D31226B309D}" type="datetimeFigureOut">
               <a:rPr lang="en-US" smtClean="0"/>
-              <a:t>4/24/2016</a:t>
+              <a:t>4/29/2016</a:t>
             </a:fld>
             <a:endParaRPr lang="en-US"/>
           </a:p>
@@ -1418,7 +1418,7 @@
           <a:p>
             <a:fld id="{92CDE6BF-0C9B-4A94-A9F2-0D31226B309D}" type="datetimeFigureOut">
               <a:rPr lang="en-US" smtClean="0"/>
-              <a:t>4/24/2016</a:t>
+              <a:t>4/29/2016</a:t>
             </a:fld>
             <a:endParaRPr lang="en-US"/>
           </a:p>
@@ -1752,7 +1752,7 @@
           <a:p>
             <a:fld id="{92CDE6BF-0C9B-4A94-A9F2-0D31226B309D}" type="datetimeFigureOut">
               <a:rPr lang="en-US" smtClean="0"/>
-              <a:t>4/24/2016</a:t>
+              <a:t>4/29/2016</a:t>
             </a:fld>
             <a:endParaRPr lang="en-US"/>
           </a:p>
@@ -2070,7 +2070,7 @@
           <a:p>
             <a:fld id="{92CDE6BF-0C9B-4A94-A9F2-0D31226B309D}" type="datetimeFigureOut">
               <a:rPr lang="en-US" smtClean="0"/>
-              <a:t>4/24/2016</a:t>
+              <a:t>4/29/2016</a:t>
             </a:fld>
             <a:endParaRPr lang="en-US"/>
           </a:p>
@@ -2464,7 +2464,7 @@
           <a:p>
             <a:fld id="{92CDE6BF-0C9B-4A94-A9F2-0D31226B309D}" type="datetimeFigureOut">
               <a:rPr lang="en-US" smtClean="0"/>
-              <a:t>4/24/2016</a:t>
+              <a:t>4/29/2016</a:t>
             </a:fld>
             <a:endParaRPr lang="en-US"/>
           </a:p>
@@ -2719,7 +2719,7 @@
           <a:p>
             <a:fld id="{92CDE6BF-0C9B-4A94-A9F2-0D31226B309D}" type="datetimeFigureOut">
               <a:rPr lang="en-US" smtClean="0"/>
-              <a:t>4/24/2016</a:t>
+              <a:t>4/29/2016</a:t>
             </a:fld>
             <a:endParaRPr lang="en-US"/>
           </a:p>
@@ -2979,7 +2979,7 @@
           <a:p>
             <a:fld id="{92CDE6BF-0C9B-4A94-A9F2-0D31226B309D}" type="datetimeFigureOut">
               <a:rPr lang="en-US" smtClean="0"/>
-              <a:t>4/24/2016</a:t>
+              <a:t>4/29/2016</a:t>
             </a:fld>
             <a:endParaRPr lang="en-US"/>
           </a:p>
@@ -3244,7 +3244,7 @@
           <a:p>
             <a:fld id="{92CDE6BF-0C9B-4A94-A9F2-0D31226B309D}" type="datetimeFigureOut">
               <a:rPr lang="en-US" smtClean="0"/>
-              <a:t>4/24/2016</a:t>
+              <a:t>4/29/2016</a:t>
             </a:fld>
             <a:endParaRPr lang="en-US"/>
           </a:p>
@@ -3571,7 +3571,7 @@
           <a:p>
             <a:fld id="{92CDE6BF-0C9B-4A94-A9F2-0D31226B309D}" type="datetimeFigureOut">
               <a:rPr lang="en-US" smtClean="0"/>
-              <a:t>4/24/2016</a:t>
+              <a:t>4/29/2016</a:t>
             </a:fld>
             <a:endParaRPr lang="en-US"/>
           </a:p>
@@ -3897,7 +3897,7 @@
           <a:p>
             <a:fld id="{92CDE6BF-0C9B-4A94-A9F2-0D31226B309D}" type="datetimeFigureOut">
               <a:rPr lang="en-US" smtClean="0"/>
-              <a:t>4/24/2016</a:t>
+              <a:t>4/29/2016</a:t>
             </a:fld>
             <a:endParaRPr lang="en-US"/>
           </a:p>
@@ -4352,7 +4352,7 @@
           <a:p>
             <a:fld id="{92CDE6BF-0C9B-4A94-A9F2-0D31226B309D}" type="datetimeFigureOut">
               <a:rPr lang="en-US" smtClean="0"/>
-              <a:t>4/24/2016</a:t>
+              <a:t>4/29/2016</a:t>
             </a:fld>
             <a:endParaRPr lang="en-US"/>
           </a:p>
@@ -4560,7 +4560,7 @@
           <a:p>
             <a:fld id="{92CDE6BF-0C9B-4A94-A9F2-0D31226B309D}" type="datetimeFigureOut">
               <a:rPr lang="en-US" smtClean="0"/>
-              <a:t>4/24/2016</a:t>
+              <a:t>4/29/2016</a:t>
             </a:fld>
             <a:endParaRPr lang="en-US"/>
           </a:p>
@@ -4735,7 +4735,7 @@
           <a:p>
             <a:fld id="{92CDE6BF-0C9B-4A94-A9F2-0D31226B309D}" type="datetimeFigureOut">
               <a:rPr lang="en-US" smtClean="0"/>
-              <a:t>4/24/2016</a:t>
+              <a:t>4/29/2016</a:t>
             </a:fld>
             <a:endParaRPr lang="en-US"/>
           </a:p>
@@ -5071,7 +5071,7 @@
           <a:p>
             <a:fld id="{92CDE6BF-0C9B-4A94-A9F2-0D31226B309D}" type="datetimeFigureOut">
               <a:rPr lang="en-US" smtClean="0"/>
-              <a:t>4/24/2016</a:t>
+              <a:t>4/29/2016</a:t>
             </a:fld>
             <a:endParaRPr lang="en-US"/>
           </a:p>
@@ -5419,7 +5419,7 @@
           <a:p>
             <a:fld id="{92CDE6BF-0C9B-4A94-A9F2-0D31226B309D}" type="datetimeFigureOut">
               <a:rPr lang="en-US" smtClean="0"/>
-              <a:t>4/24/2016</a:t>
+              <a:t>4/29/2016</a:t>
             </a:fld>
             <a:endParaRPr lang="en-US"/>
           </a:p>
@@ -7534,7 +7534,7 @@
           <a:p>
             <a:fld id="{92CDE6BF-0C9B-4A94-A9F2-0D31226B309D}" type="datetimeFigureOut">
               <a:rPr lang="en-US" smtClean="0"/>
-              <a:t>4/24/2016</a:t>
+              <a:t>4/29/2016</a:t>
             </a:fld>
             <a:endParaRPr lang="en-US"/>
           </a:p>
@@ -8087,10 +8087,6 @@
               </a:rPr>
               <a:t>NASA SPACE APPS CHALLENGE</a:t>
             </a:r>
-            <a:endParaRPr lang="en-US" sz="2000" dirty="0" smtClean="0">
-              <a:latin typeface="Angsana New" panose="02020603050405020304" pitchFamily="18" charset="-34"/>
-              <a:cs typeface="Angsana New" panose="02020603050405020304" pitchFamily="18" charset="-34"/>
-            </a:endParaRPr>
           </a:p>
           <a:p>
             <a:pPr algn="r"/>
@@ -8100,15 +8096,7 @@
                 <a:ea typeface="Calibri"/>
                 <a:cs typeface="Angsana New" panose="02020603050405020304" pitchFamily="18" charset="-34"/>
               </a:rPr>
-              <a:t>24 April 201</a:t>
-            </a:r>
-            <a:r>
-              <a:rPr lang="en-US" sz="2000" dirty="0" smtClean="0">
-                <a:latin typeface="Angsana New" panose="02020603050405020304" pitchFamily="18" charset="-34"/>
-                <a:ea typeface="Calibri"/>
-                <a:cs typeface="Angsana New" panose="02020603050405020304" pitchFamily="18" charset="-34"/>
-              </a:rPr>
-              <a:t>6</a:t>
+              <a:t>24 April 2016</a:t>
             </a:r>
             <a:endParaRPr lang="en-US" sz="2000" dirty="0">
               <a:latin typeface="Angsana New" panose="02020603050405020304" pitchFamily="18" charset="-34"/>
@@ -8474,12 +8462,6 @@
               </a:rPr>
               <a:t>3</a:t>
             </a:r>
-            <a:endParaRPr lang="en-US" sz="1600" dirty="0">
-              <a:solidFill>
-                <a:schemeClr val="bg1"/>
-              </a:solidFill>
-              <a:latin typeface="Calibri" panose="020F0502020204030204" pitchFamily="34" charset="0"/>
-            </a:endParaRPr>
           </a:p>
         </p:txBody>
       </p:sp>
@@ -8518,12 +8500,6 @@
               </a:rPr>
               <a:t>4</a:t>
             </a:r>
-            <a:endParaRPr lang="en-US" sz="1600" dirty="0">
-              <a:solidFill>
-                <a:schemeClr val="bg1"/>
-              </a:solidFill>
-              <a:latin typeface="Calibri" panose="020F0502020204030204" pitchFamily="34" charset="0"/>
-            </a:endParaRPr>
           </a:p>
         </p:txBody>
       </p:sp>
@@ -8661,12 +8637,6 @@
               </a:rPr>
               <a:t>2</a:t>
             </a:r>
-            <a:endParaRPr lang="en-US" sz="1600" dirty="0">
-              <a:solidFill>
-                <a:schemeClr val="bg1"/>
-              </a:solidFill>
-              <a:latin typeface="Calibri" panose="020F0502020204030204" pitchFamily="34" charset="0"/>
-            </a:endParaRPr>
           </a:p>
         </p:txBody>
       </p:sp>
@@ -8738,12 +8708,6 @@
               </a:rPr>
               <a:t>5</a:t>
             </a:r>
-            <a:endParaRPr lang="en-US" sz="1600" dirty="0">
-              <a:solidFill>
-                <a:schemeClr val="bg1"/>
-              </a:solidFill>
-              <a:latin typeface="Calibri" panose="020F0502020204030204" pitchFamily="34" charset="0"/>
-            </a:endParaRPr>
           </a:p>
         </p:txBody>
       </p:sp>
@@ -9284,8 +9248,8 @@
           </a:prstGeom>
         </p:spPr>
       </p:pic>
-      <mc:AlternateContent xmlns:mc="http://schemas.openxmlformats.org/markup-compatibility/2006">
-        <mc:Choice xmlns:a14="http://schemas.microsoft.com/office/drawing/2010/main" Requires="a14">
+      <mc:AlternateContent xmlns:mc="http://schemas.openxmlformats.org/markup-compatibility/2006" xmlns:a14="http://schemas.microsoft.com/office/drawing/2010/main">
+        <mc:Choice Requires="a14">
           <p:sp>
             <p:nvSpPr>
               <p:cNvPr id="10" name="TextBox 9"/>
@@ -9377,7 +9341,7 @@
             </p:txBody>
           </p:sp>
         </mc:Choice>
-        <mc:Fallback>
+        <mc:Fallback xmlns="">
           <p:sp>
             <p:nvSpPr>
               <p:cNvPr id="10" name="TextBox 9"/>
@@ -10149,8 +10113,8 @@
           </a:p>
         </p:txBody>
       </p:sp>
-      <mc:AlternateContent xmlns:mc="http://schemas.openxmlformats.org/markup-compatibility/2006">
-        <mc:Choice xmlns:a14="http://schemas.microsoft.com/office/drawing/2010/main" Requires="a14">
+      <mc:AlternateContent xmlns:mc="http://schemas.openxmlformats.org/markup-compatibility/2006" xmlns:a14="http://schemas.microsoft.com/office/drawing/2010/main">
+        <mc:Choice Requires="a14">
           <p:sp>
             <p:nvSpPr>
               <p:cNvPr id="4" name="TextBox 3"/>
@@ -10233,6 +10197,7 @@
                 </a:endParaRPr>
               </a:p>
               <a:p>
+                <a:pPr/>
                 <a14:m>
                   <m:oMathPara xmlns:m="http://schemas.openxmlformats.org/officeDocument/2006/math">
                     <m:oMathParaPr>
@@ -10603,7 +10568,7 @@
             </p:txBody>
           </p:sp>
         </mc:Choice>
-        <mc:Fallback>
+        <mc:Fallback xmlns="">
           <p:sp>
             <p:nvSpPr>
               <p:cNvPr id="4" name="TextBox 3"/>
@@ -12509,12 +12474,6 @@
               </a:rPr>
               <a:t>3</a:t>
             </a:r>
-            <a:endParaRPr lang="en-US" sz="1600" dirty="0">
-              <a:solidFill>
-                <a:schemeClr val="bg1"/>
-              </a:solidFill>
-              <a:latin typeface="Calibri" panose="020F0502020204030204" pitchFamily="34" charset="0"/>
-            </a:endParaRPr>
           </a:p>
         </p:txBody>
       </p:sp>
@@ -12553,12 +12512,6 @@
               </a:rPr>
               <a:t>4</a:t>
             </a:r>
-            <a:endParaRPr lang="en-US" sz="1600" dirty="0">
-              <a:solidFill>
-                <a:schemeClr val="bg1"/>
-              </a:solidFill>
-              <a:latin typeface="Calibri" panose="020F0502020204030204" pitchFamily="34" charset="0"/>
-            </a:endParaRPr>
           </a:p>
         </p:txBody>
       </p:sp>
@@ -12698,12 +12651,6 @@
               </a:rPr>
               <a:t>2</a:t>
             </a:r>
-            <a:endParaRPr lang="en-US" sz="1600" dirty="0">
-              <a:solidFill>
-                <a:schemeClr val="bg1"/>
-              </a:solidFill>
-              <a:latin typeface="Calibri" panose="020F0502020204030204" pitchFamily="34" charset="0"/>
-            </a:endParaRPr>
           </a:p>
         </p:txBody>
       </p:sp>
@@ -12777,12 +12724,6 @@
               </a:rPr>
               <a:t>5</a:t>
             </a:r>
-            <a:endParaRPr lang="en-US" sz="1600" dirty="0">
-              <a:solidFill>
-                <a:schemeClr val="bg1"/>
-              </a:solidFill>
-              <a:latin typeface="Calibri" panose="020F0502020204030204" pitchFamily="34" charset="0"/>
-            </a:endParaRPr>
           </a:p>
         </p:txBody>
       </p:sp>
@@ -13068,12 +13009,6 @@
               </a:rPr>
               <a:t>5</a:t>
             </a:r>
-            <a:endParaRPr lang="en-US" sz="1600" dirty="0">
-              <a:solidFill>
-                <a:schemeClr val="bg1"/>
-              </a:solidFill>
-              <a:latin typeface="Calibri" panose="020F0502020204030204" pitchFamily="34" charset="0"/>
-            </a:endParaRPr>
           </a:p>
         </p:txBody>
       </p:sp>
@@ -13549,12 +13484,6 @@
               </a:rPr>
               <a:t>1</a:t>
             </a:r>
-            <a:endParaRPr lang="en-US" sz="1600" dirty="0">
-              <a:solidFill>
-                <a:schemeClr val="bg1"/>
-              </a:solidFill>
-              <a:latin typeface="Calibri" panose="020F0502020204030204" pitchFamily="34" charset="0"/>
-            </a:endParaRPr>
           </a:p>
         </p:txBody>
       </p:sp>
@@ -13681,12 +13610,6 @@
               </a:rPr>
               <a:t>4</a:t>
             </a:r>
-            <a:endParaRPr lang="en-US" sz="1600" dirty="0">
-              <a:solidFill>
-                <a:schemeClr val="bg1"/>
-              </a:solidFill>
-              <a:latin typeface="Calibri" panose="020F0502020204030204" pitchFamily="34" charset="0"/>
-            </a:endParaRPr>
           </a:p>
         </p:txBody>
       </p:sp>
@@ -14010,7 +13933,7 @@
         <p:spPr>
           <a:xfrm>
             <a:off x="1143000" y="1371600"/>
-            <a:ext cx="7848600" cy="2462213"/>
+            <a:ext cx="7848600" cy="2677656"/>
           </a:xfrm>
           <a:prstGeom prst="rect">
             <a:avLst/>
@@ -14093,11 +14016,47 @@
               <a:buChar char="•"/>
             </a:pPr>
             <a:r>
+              <a:rPr lang="en-US" sz="1400" dirty="0" err="1" smtClean="0">
+                <a:latin typeface="Calibri" panose="020F0502020204030204" pitchFamily="34" charset="0"/>
+              </a:rPr>
+              <a:t>Abhishek</a:t>
+            </a:r>
+            <a:r>
               <a:rPr lang="en-US" sz="1400" dirty="0" smtClean="0">
                 <a:latin typeface="Calibri" panose="020F0502020204030204" pitchFamily="34" charset="0"/>
               </a:rPr>
-              <a:t>Abhishek Bichal</a:t>
-            </a:r>
+              <a:t> </a:t>
+            </a:r>
+            <a:r>
+              <a:rPr lang="en-US" sz="1400" dirty="0" err="1" smtClean="0">
+                <a:latin typeface="Calibri" panose="020F0502020204030204" pitchFamily="34" charset="0"/>
+              </a:rPr>
+              <a:t>Bichal</a:t>
+            </a:r>
+            <a:endParaRPr lang="en-US" sz="1400" dirty="0" smtClean="0">
+              <a:latin typeface="Calibri" panose="020F0502020204030204" pitchFamily="34" charset="0"/>
+            </a:endParaRPr>
+          </a:p>
+          <a:p>
+            <a:pPr marL="285750" indent="-285750">
+              <a:buFont typeface="Arial" panose="020B0604020202020204" pitchFamily="34" charset="0"/>
+              <a:buChar char="•"/>
+            </a:pPr>
+            <a:r>
+              <a:rPr lang="en-US" sz="1400" dirty="0" err="1" smtClean="0">
+                <a:latin typeface="Calibri" panose="020F0502020204030204" pitchFamily="34" charset="0"/>
+              </a:rPr>
+              <a:t>Ritesh</a:t>
+            </a:r>
+            <a:r>
+              <a:rPr lang="en-US" sz="1400" smtClean="0">
+                <a:latin typeface="Calibri" panose="020F0502020204030204" pitchFamily="34" charset="0"/>
+              </a:rPr>
+              <a:t> Bafna</a:t>
+            </a:r>
+            <a:endParaRPr lang="en-US" sz="1400" dirty="0" smtClean="0">
+              <a:latin typeface="Calibri" panose="020F0502020204030204" pitchFamily="34" charset="0"/>
+            </a:endParaRPr>
           </a:p>
           <a:p>
             <a:endParaRPr lang="en-US" sz="1400" dirty="0">
@@ -15144,8 +15103,8 @@
           <a:chExt cx="0" cy="0"/>
         </a:xfrm>
       </p:grpSpPr>
-      <mc:AlternateContent xmlns:mc="http://schemas.openxmlformats.org/markup-compatibility/2006">
-        <mc:Choice xmlns:a14="http://schemas.microsoft.com/office/drawing/2010/main" Requires="a14">
+      <mc:AlternateContent xmlns:mc="http://schemas.openxmlformats.org/markup-compatibility/2006" xmlns:a14="http://schemas.microsoft.com/office/drawing/2010/main">
+        <mc:Choice Requires="a14">
           <p:sp>
             <p:nvSpPr>
               <p:cNvPr id="5" name="TextBox 4"/>
@@ -15563,7 +15522,7 @@
             </p:txBody>
           </p:sp>
         </mc:Choice>
-        <mc:Fallback>
+        <mc:Fallback xmlns="">
           <p:sp>
             <p:nvSpPr>
               <p:cNvPr id="5" name="TextBox 4"/>
@@ -15907,8 +15866,8 @@
           <a:chExt cx="0" cy="0"/>
         </a:xfrm>
       </p:grpSpPr>
-      <mc:AlternateContent xmlns:mc="http://schemas.openxmlformats.org/markup-compatibility/2006">
-        <mc:Choice xmlns:a14="http://schemas.microsoft.com/office/drawing/2010/main" Requires="a14">
+      <mc:AlternateContent xmlns:mc="http://schemas.openxmlformats.org/markup-compatibility/2006" xmlns:a14="http://schemas.microsoft.com/office/drawing/2010/main">
+        <mc:Choice Requires="a14">
           <p:sp>
             <p:nvSpPr>
               <p:cNvPr id="5" name="TextBox 4"/>
@@ -16157,9 +16116,6 @@
                   </a:rPr>
                   <a:t>We then reformulate the Rayleigh scattering of red wavelengths thus:</a:t>
                 </a:r>
-                <a:endParaRPr lang="en-US" sz="1400" dirty="0" smtClean="0">
-                  <a:latin typeface="Calibri" panose="020F0502020204030204" pitchFamily="34" charset="0"/>
-                </a:endParaRPr>
               </a:p>
               <a:p>
                 <a:pPr lvl="1"/>
@@ -16632,7 +16588,7 @@
             </p:txBody>
           </p:sp>
         </mc:Choice>
-        <mc:Fallback>
+        <mc:Fallback xmlns="">
           <p:sp>
             <p:nvSpPr>
               <p:cNvPr id="5" name="TextBox 4"/>
@@ -16754,8 +16710,8 @@
           </a:prstGeom>
         </p:spPr>
       </p:pic>
-      <mc:AlternateContent xmlns:mc="http://schemas.openxmlformats.org/markup-compatibility/2006">
-        <mc:Choice xmlns:a14="http://schemas.microsoft.com/office/drawing/2010/main" Requires="a14">
+      <mc:AlternateContent xmlns:mc="http://schemas.openxmlformats.org/markup-compatibility/2006" xmlns:a14="http://schemas.microsoft.com/office/drawing/2010/main">
+        <mc:Choice Requires="a14">
           <p:sp>
             <p:nvSpPr>
               <p:cNvPr id="8" name="TextBox 7"/>
@@ -16781,6 +16737,7 @@
               </a:bodyPr>
               <a:lstStyle/>
               <a:p>
+                <a:pPr/>
                 <a14:m>
                   <m:oMathPara xmlns:m="http://schemas.openxmlformats.org/officeDocument/2006/math">
                     <m:oMathParaPr>
@@ -16834,7 +16791,7 @@
             </p:txBody>
           </p:sp>
         </mc:Choice>
-        <mc:Fallback>
+        <mc:Fallback xmlns="">
           <p:sp>
             <p:nvSpPr>
               <p:cNvPr id="8" name="TextBox 7"/>
@@ -16944,8 +16901,8 @@
           </a:fontRef>
         </p:style>
       </p:cxnSp>
-      <mc:AlternateContent xmlns:mc="http://schemas.openxmlformats.org/markup-compatibility/2006">
-        <mc:Choice xmlns:a14="http://schemas.microsoft.com/office/drawing/2010/main" Requires="a14">
+      <mc:AlternateContent xmlns:mc="http://schemas.openxmlformats.org/markup-compatibility/2006" xmlns:a14="http://schemas.microsoft.com/office/drawing/2010/main">
+        <mc:Choice Requires="a14">
           <p:sp>
             <p:nvSpPr>
               <p:cNvPr id="15" name="TextBox 14"/>
@@ -16971,6 +16928,7 @@
               </a:bodyPr>
               <a:lstStyle/>
               <a:p>
+                <a:pPr/>
                 <a14:m>
                   <m:oMathPara xmlns:m="http://schemas.openxmlformats.org/officeDocument/2006/math">
                     <m:oMathParaPr>
@@ -17049,7 +17007,7 @@
             </p:txBody>
           </p:sp>
         </mc:Choice>
-        <mc:Fallback>
+        <mc:Fallback xmlns="">
           <p:sp>
             <p:nvSpPr>
               <p:cNvPr id="15" name="TextBox 14"/>
@@ -17690,8 +17648,8 @@
           <a:chExt cx="0" cy="0"/>
         </a:xfrm>
       </p:grpSpPr>
-      <mc:AlternateContent xmlns:mc="http://schemas.openxmlformats.org/markup-compatibility/2006">
-        <mc:Choice xmlns:a14="http://schemas.microsoft.com/office/drawing/2010/main" Requires="a14">
+      <mc:AlternateContent xmlns:mc="http://schemas.openxmlformats.org/markup-compatibility/2006" xmlns:a14="http://schemas.microsoft.com/office/drawing/2010/main">
+        <mc:Choice Requires="a14">
           <p:sp>
             <p:nvSpPr>
               <p:cNvPr id="5" name="TextBox 4"/>
@@ -17763,7 +17721,7 @@
             </p:txBody>
           </p:sp>
         </mc:Choice>
-        <mc:Fallback>
+        <mc:Fallback xmlns="">
           <p:sp>
             <p:nvSpPr>
               <p:cNvPr id="5" name="TextBox 4"/>
@@ -17964,8 +17922,8 @@
           </a:p>
         </p:txBody>
       </p:sp>
-      <mc:AlternateContent xmlns:mc="http://schemas.openxmlformats.org/markup-compatibility/2006">
-        <mc:Choice xmlns:a14="http://schemas.microsoft.com/office/drawing/2010/main" Requires="a14">
+      <mc:AlternateContent xmlns:mc="http://schemas.openxmlformats.org/markup-compatibility/2006" xmlns:a14="http://schemas.microsoft.com/office/drawing/2010/main">
+        <mc:Choice Requires="a14">
           <p:sp>
             <p:nvSpPr>
               <p:cNvPr id="10" name="TextBox 9"/>
@@ -18057,7 +18015,7 @@
             </p:txBody>
           </p:sp>
         </mc:Choice>
-        <mc:Fallback>
+        <mc:Fallback xmlns="">
           <p:sp>
             <p:nvSpPr>
               <p:cNvPr id="10" name="TextBox 9"/>
